--- a/资料/课程说明/2020秋季线代助教工作【正式版】.pptx
+++ b/资料/课程说明/2020秋季线代助教工作【正式版】.pptx
@@ -273,7 +273,7 @@
           <a:p>
             <a:fld id="{CCDBD984-DFF4-45AB-B263-A9362F92C737}" type="datetimeFigureOut">
               <a:rPr lang="zh-CN" altLang="en-US" smtClean="0"/>
-              <a:t>2020/9/22</a:t>
+              <a:t>2020/9/30</a:t>
             </a:fld>
             <a:endParaRPr lang="zh-CN" altLang="en-US"/>
           </a:p>
@@ -471,7 +471,7 @@
           <a:p>
             <a:fld id="{CCDBD984-DFF4-45AB-B263-A9362F92C737}" type="datetimeFigureOut">
               <a:rPr lang="zh-CN" altLang="en-US" smtClean="0"/>
-              <a:t>2020/9/22</a:t>
+              <a:t>2020/9/30</a:t>
             </a:fld>
             <a:endParaRPr lang="zh-CN" altLang="en-US"/>
           </a:p>
@@ -679,7 +679,7 @@
           <a:p>
             <a:fld id="{CCDBD984-DFF4-45AB-B263-A9362F92C737}" type="datetimeFigureOut">
               <a:rPr lang="zh-CN" altLang="en-US" smtClean="0"/>
-              <a:t>2020/9/22</a:t>
+              <a:t>2020/9/30</a:t>
             </a:fld>
             <a:endParaRPr lang="zh-CN" altLang="en-US"/>
           </a:p>
@@ -877,7 +877,7 @@
           <a:p>
             <a:fld id="{CCDBD984-DFF4-45AB-B263-A9362F92C737}" type="datetimeFigureOut">
               <a:rPr lang="zh-CN" altLang="en-US" smtClean="0"/>
-              <a:t>2020/9/22</a:t>
+              <a:t>2020/9/30</a:t>
             </a:fld>
             <a:endParaRPr lang="zh-CN" altLang="en-US"/>
           </a:p>
@@ -1152,7 +1152,7 @@
           <a:p>
             <a:fld id="{CCDBD984-DFF4-45AB-B263-A9362F92C737}" type="datetimeFigureOut">
               <a:rPr lang="zh-CN" altLang="en-US" smtClean="0"/>
-              <a:t>2020/9/22</a:t>
+              <a:t>2020/9/30</a:t>
             </a:fld>
             <a:endParaRPr lang="zh-CN" altLang="en-US"/>
           </a:p>
@@ -1417,7 +1417,7 @@
           <a:p>
             <a:fld id="{CCDBD984-DFF4-45AB-B263-A9362F92C737}" type="datetimeFigureOut">
               <a:rPr lang="zh-CN" altLang="en-US" smtClean="0"/>
-              <a:t>2020/9/22</a:t>
+              <a:t>2020/9/30</a:t>
             </a:fld>
             <a:endParaRPr lang="zh-CN" altLang="en-US"/>
           </a:p>
@@ -1829,7 +1829,7 @@
           <a:p>
             <a:fld id="{CCDBD984-DFF4-45AB-B263-A9362F92C737}" type="datetimeFigureOut">
               <a:rPr lang="zh-CN" altLang="en-US" smtClean="0"/>
-              <a:t>2020/9/22</a:t>
+              <a:t>2020/9/30</a:t>
             </a:fld>
             <a:endParaRPr lang="zh-CN" altLang="en-US"/>
           </a:p>
@@ -1970,7 +1970,7 @@
           <a:p>
             <a:fld id="{CCDBD984-DFF4-45AB-B263-A9362F92C737}" type="datetimeFigureOut">
               <a:rPr lang="zh-CN" altLang="en-US" smtClean="0"/>
-              <a:t>2020/9/22</a:t>
+              <a:t>2020/9/30</a:t>
             </a:fld>
             <a:endParaRPr lang="zh-CN" altLang="en-US"/>
           </a:p>
@@ -2083,7 +2083,7 @@
           <a:p>
             <a:fld id="{CCDBD984-DFF4-45AB-B263-A9362F92C737}" type="datetimeFigureOut">
               <a:rPr lang="zh-CN" altLang="en-US" smtClean="0"/>
-              <a:t>2020/9/22</a:t>
+              <a:t>2020/9/30</a:t>
             </a:fld>
             <a:endParaRPr lang="zh-CN" altLang="en-US"/>
           </a:p>
@@ -2394,7 +2394,7 @@
           <a:p>
             <a:fld id="{CCDBD984-DFF4-45AB-B263-A9362F92C737}" type="datetimeFigureOut">
               <a:rPr lang="zh-CN" altLang="en-US" smtClean="0"/>
-              <a:t>2020/9/22</a:t>
+              <a:t>2020/9/30</a:t>
             </a:fld>
             <a:endParaRPr lang="zh-CN" altLang="en-US"/>
           </a:p>
@@ -2682,7 +2682,7 @@
           <a:p>
             <a:fld id="{CCDBD984-DFF4-45AB-B263-A9362F92C737}" type="datetimeFigureOut">
               <a:rPr lang="zh-CN" altLang="en-US" smtClean="0"/>
-              <a:t>2020/9/22</a:t>
+              <a:t>2020/9/30</a:t>
             </a:fld>
             <a:endParaRPr lang="zh-CN" altLang="en-US"/>
           </a:p>
@@ -2923,7 +2923,7 @@
           <a:p>
             <a:fld id="{CCDBD984-DFF4-45AB-B263-A9362F92C737}" type="datetimeFigureOut">
               <a:rPr lang="zh-CN" altLang="en-US" smtClean="0"/>
-              <a:t>2020/9/22</a:t>
+              <a:t>2020/9/30</a:t>
             </a:fld>
             <a:endParaRPr lang="zh-CN" altLang="en-US"/>
           </a:p>
